--- a/Bhuvanesh naan mudhalvan project 2.pptx
+++ b/Bhuvanesh naan mudhalvan project 2.pptx
@@ -1574,7 +1574,7 @@
           <a:p>
             <a:fld id="{84B86612-B127-4CD0-BF15-66D49A7175F7}" type="datetimeFigureOut">
               <a:rPr lang="en-IN" smtClean="0"/>
-              <a:t>03-09-2024</a:t>
+              <a:t>10-09-2024</a:t>
             </a:fld>
             <a:endParaRPr lang="en-IN"/>
           </a:p>
@@ -2112,7 +2112,7 @@
           <a:p>
             <a:fld id="{1D8BD707-D9CF-40AE-B4C6-C98DA3205C09}" type="datetimeFigureOut">
               <a:rPr lang="en-US" smtClean="0"/>
-              <a:t>9/3/2024</a:t>
+              <a:t>9/10/2024</a:t>
             </a:fld>
             <a:endParaRPr lang="en-US"/>
           </a:p>
@@ -2395,7 +2395,7 @@
           <a:p>
             <a:fld id="{1D8BD707-D9CF-40AE-B4C6-C98DA3205C09}" type="datetimeFigureOut">
               <a:rPr lang="en-US" smtClean="0"/>
-              <a:t>9/3/2024</a:t>
+              <a:t>9/10/2024</a:t>
             </a:fld>
             <a:endParaRPr lang="en-US"/>
           </a:p>
@@ -2597,7 +2597,7 @@
           <a:p>
             <a:fld id="{1D8BD707-D9CF-40AE-B4C6-C98DA3205C09}" type="datetimeFigureOut">
               <a:rPr lang="en-US" smtClean="0"/>
-              <a:t>9/3/2024</a:t>
+              <a:t>9/10/2024</a:t>
             </a:fld>
             <a:endParaRPr lang="en-US"/>
           </a:p>
@@ -2878,7 +2878,7 @@
           <a:p>
             <a:fld id="{1D8BD707-D9CF-40AE-B4C6-C98DA3205C09}" type="datetimeFigureOut">
               <a:rPr lang="en-US" smtClean="0"/>
-              <a:t>9/3/2024</a:t>
+              <a:t>9/10/2024</a:t>
             </a:fld>
             <a:endParaRPr lang="en-US"/>
           </a:p>
@@ -3227,7 +3227,7 @@
           <a:p>
             <a:fld id="{1D8BD707-D9CF-40AE-B4C6-C98DA3205C09}" type="datetimeFigureOut">
               <a:rPr lang="en-US" smtClean="0"/>
-              <a:t>9/3/2024</a:t>
+              <a:t>9/10/2024</a:t>
             </a:fld>
             <a:endParaRPr lang="en-US"/>
           </a:p>
@@ -3858,7 +3858,7 @@
           <a:p>
             <a:fld id="{1D8BD707-D9CF-40AE-B4C6-C98DA3205C09}" type="datetimeFigureOut">
               <a:rPr lang="en-US" smtClean="0"/>
-              <a:t>9/3/2024</a:t>
+              <a:t>9/10/2024</a:t>
             </a:fld>
             <a:endParaRPr lang="en-US"/>
           </a:p>
@@ -4726,7 +4726,7 @@
           <a:p>
             <a:fld id="{1D8BD707-D9CF-40AE-B4C6-C98DA3205C09}" type="datetimeFigureOut">
               <a:rPr lang="en-US" smtClean="0"/>
-              <a:t>9/3/2024</a:t>
+              <a:t>9/10/2024</a:t>
             </a:fld>
             <a:endParaRPr lang="en-US"/>
           </a:p>
@@ -4904,7 +4904,7 @@
           <a:p>
             <a:fld id="{1D8BD707-D9CF-40AE-B4C6-C98DA3205C09}" type="datetimeFigureOut">
               <a:rPr lang="en-US" smtClean="0"/>
-              <a:t>9/3/2024</a:t>
+              <a:t>9/10/2024</a:t>
             </a:fld>
             <a:endParaRPr lang="en-US"/>
           </a:p>
@@ -5092,7 +5092,7 @@
           <a:p>
             <a:fld id="{1D8BD707-D9CF-40AE-B4C6-C98DA3205C09}" type="datetimeFigureOut">
               <a:rPr lang="en-US" smtClean="0"/>
-              <a:t>9/3/2024</a:t>
+              <a:t>9/10/2024</a:t>
             </a:fld>
             <a:endParaRPr lang="en-US"/>
           </a:p>
@@ -5270,7 +5270,7 @@
           <a:p>
             <a:fld id="{1D8BD707-D9CF-40AE-B4C6-C98DA3205C09}" type="datetimeFigureOut">
               <a:rPr lang="en-US" smtClean="0"/>
-              <a:t>9/3/2024</a:t>
+              <a:t>9/10/2024</a:t>
             </a:fld>
             <a:endParaRPr lang="en-US"/>
           </a:p>
@@ -5525,7 +5525,7 @@
           <a:p>
             <a:fld id="{1D8BD707-D9CF-40AE-B4C6-C98DA3205C09}" type="datetimeFigureOut">
               <a:rPr lang="en-US" smtClean="0"/>
-              <a:t>9/3/2024</a:t>
+              <a:t>9/10/2024</a:t>
             </a:fld>
             <a:endParaRPr lang="en-US"/>
           </a:p>
@@ -5825,7 +5825,7 @@
           <a:p>
             <a:fld id="{1D8BD707-D9CF-40AE-B4C6-C98DA3205C09}" type="datetimeFigureOut">
               <a:rPr lang="en-US" smtClean="0"/>
-              <a:t>9/3/2024</a:t>
+              <a:t>9/10/2024</a:t>
             </a:fld>
             <a:endParaRPr lang="en-US"/>
           </a:p>
@@ -6277,7 +6277,7 @@
           <a:p>
             <a:fld id="{1D8BD707-D9CF-40AE-B4C6-C98DA3205C09}" type="datetimeFigureOut">
               <a:rPr lang="en-US" smtClean="0"/>
-              <a:t>9/3/2024</a:t>
+              <a:t>9/10/2024</a:t>
             </a:fld>
             <a:endParaRPr lang="en-US"/>
           </a:p>
@@ -6403,7 +6403,7 @@
           <a:p>
             <a:fld id="{1D8BD707-D9CF-40AE-B4C6-C98DA3205C09}" type="datetimeFigureOut">
               <a:rPr lang="en-US" smtClean="0"/>
-              <a:t>9/3/2024</a:t>
+              <a:t>9/10/2024</a:t>
             </a:fld>
             <a:endParaRPr lang="en-US"/>
           </a:p>
@@ -6506,7 +6506,7 @@
           <a:p>
             <a:fld id="{1D8BD707-D9CF-40AE-B4C6-C98DA3205C09}" type="datetimeFigureOut">
               <a:rPr lang="en-US" smtClean="0"/>
-              <a:t>9/3/2024</a:t>
+              <a:t>9/10/2024</a:t>
             </a:fld>
             <a:endParaRPr lang="en-US"/>
           </a:p>
@@ -6793,7 +6793,7 @@
           <a:p>
             <a:fld id="{1D8BD707-D9CF-40AE-B4C6-C98DA3205C09}" type="datetimeFigureOut">
               <a:rPr lang="en-US" smtClean="0"/>
-              <a:t>9/3/2024</a:t>
+              <a:t>9/10/2024</a:t>
             </a:fld>
             <a:endParaRPr lang="en-US"/>
           </a:p>
@@ -7076,7 +7076,7 @@
           <a:p>
             <a:fld id="{1D8BD707-D9CF-40AE-B4C6-C98DA3205C09}" type="datetimeFigureOut">
               <a:rPr lang="en-US" smtClean="0"/>
-              <a:t>9/3/2024</a:t>
+              <a:t>9/10/2024</a:t>
             </a:fld>
             <a:endParaRPr lang="en-US"/>
           </a:p>
@@ -7513,7 +7513,7 @@
           <a:p>
             <a:fld id="{1D8BD707-D9CF-40AE-B4C6-C98DA3205C09}" type="datetimeFigureOut">
               <a:rPr lang="en-US" smtClean="0"/>
-              <a:t>9/3/2024</a:t>
+              <a:t>9/10/2024</a:t>
             </a:fld>
             <a:endParaRPr lang="en-US"/>
           </a:p>
@@ -8377,7 +8377,7 @@
         <p:spPr>
           <a:xfrm>
             <a:off x="2554542" y="3314150"/>
-            <a:ext cx="8610600" cy="2308324"/>
+            <a:ext cx="8610600" cy="3046988"/>
           </a:xfrm>
           <a:prstGeom prst="rect">
             <a:avLst/>
@@ -8417,8 +8417,19 @@
             </a:r>
             <a:r>
               <a:rPr lang="en-US" sz="2400" dirty="0"/>
-              <a:t>MUDHALVAN USERNAME:asunm110312201156</a:t>
-            </a:r>
+              <a:t>MUDHALVAN </a:t>
+            </a:r>
+            <a:r>
+              <a:rPr lang="en-US" sz="2400" dirty="0" smtClean="0"/>
+              <a:t>USERNAME:asunm110312201156</a:t>
+            </a:r>
+          </a:p>
+          <a:p>
+            <a:r>
+              <a:rPr lang="en-US" sz="2400"/>
+              <a:t>NAAN MUDHALVAN ID:34AD5A8B208536D86DE4D7CF5F92C372</a:t>
+            </a:r>
+            <a:endParaRPr lang="en-US" sz="2400" dirty="0"/>
           </a:p>
           <a:p>
             <a:r>
@@ -10687,7 +10698,15 @@
             </a:pPr>
             <a:r>
               <a:rPr lang="en-US" i="1" spc="10" dirty="0"/>
-              <a:t>By this they can analyze the salary pattern of the company </a:t>
+              <a:t>By this they can analyze the </a:t>
+            </a:r>
+            <a:r>
+              <a:rPr lang="en-US" i="1" spc="10" dirty="0" smtClean="0"/>
+              <a:t>employee </a:t>
+            </a:r>
+            <a:r>
+              <a:rPr lang="en-US" i="1" spc="10" dirty="0"/>
+              <a:t>pattern of the company </a:t>
             </a:r>
           </a:p>
         </p:txBody>
